--- a/content/resources/unit testing/unit-testing.pptx
+++ b/content/resources/unit testing/unit-testing.pptx
@@ -6,12 +6,13 @@
   </p:sldMasterIdLst>
   <p:sldIdLst>
     <p:sldId id="256" r:id="rId2"/>
-    <p:sldId id="260" r:id="rId3"/>
-    <p:sldId id="258" r:id="rId4"/>
-    <p:sldId id="259" r:id="rId5"/>
-    <p:sldId id="262" r:id="rId6"/>
-    <p:sldId id="257" r:id="rId7"/>
-    <p:sldId id="261" r:id="rId8"/>
+    <p:sldId id="262" r:id="rId3"/>
+    <p:sldId id="263" r:id="rId4"/>
+    <p:sldId id="261" r:id="rId5"/>
+    <p:sldId id="260" r:id="rId6"/>
+    <p:sldId id="264" r:id="rId7"/>
+    <p:sldId id="265" r:id="rId8"/>
+    <p:sldId id="266" r:id="rId9"/>
   </p:sldIdLst>
   <p:sldSz cx="12192000" cy="6858000"/>
   <p:notesSz cx="6858000" cy="9144000"/>
@@ -249,7 +250,7 @@
           <a:p>
             <a:fld id="{8B92362E-F480-4286-BBDD-FA3089A75A34}" type="datetimeFigureOut">
               <a:rPr lang="en-GB" smtClean="0"/>
-              <a:t>31/07/2022</a:t>
+              <a:t>01/08/2022</a:t>
             </a:fld>
             <a:endParaRPr lang="en-GB"/>
           </a:p>
@@ -419,7 +420,7 @@
           <a:p>
             <a:fld id="{8B92362E-F480-4286-BBDD-FA3089A75A34}" type="datetimeFigureOut">
               <a:rPr lang="en-GB" smtClean="0"/>
-              <a:t>31/07/2022</a:t>
+              <a:t>01/08/2022</a:t>
             </a:fld>
             <a:endParaRPr lang="en-GB"/>
           </a:p>
@@ -599,7 +600,7 @@
           <a:p>
             <a:fld id="{8B92362E-F480-4286-BBDD-FA3089A75A34}" type="datetimeFigureOut">
               <a:rPr lang="en-GB" smtClean="0"/>
-              <a:t>31/07/2022</a:t>
+              <a:t>01/08/2022</a:t>
             </a:fld>
             <a:endParaRPr lang="en-GB"/>
           </a:p>
@@ -769,7 +770,7 @@
           <a:p>
             <a:fld id="{8B92362E-F480-4286-BBDD-FA3089A75A34}" type="datetimeFigureOut">
               <a:rPr lang="en-GB" smtClean="0"/>
-              <a:t>31/07/2022</a:t>
+              <a:t>01/08/2022</a:t>
             </a:fld>
             <a:endParaRPr lang="en-GB"/>
           </a:p>
@@ -1015,7 +1016,7 @@
           <a:p>
             <a:fld id="{8B92362E-F480-4286-BBDD-FA3089A75A34}" type="datetimeFigureOut">
               <a:rPr lang="en-GB" smtClean="0"/>
-              <a:t>31/07/2022</a:t>
+              <a:t>01/08/2022</a:t>
             </a:fld>
             <a:endParaRPr lang="en-GB"/>
           </a:p>
@@ -1247,7 +1248,7 @@
           <a:p>
             <a:fld id="{8B92362E-F480-4286-BBDD-FA3089A75A34}" type="datetimeFigureOut">
               <a:rPr lang="en-GB" smtClean="0"/>
-              <a:t>31/07/2022</a:t>
+              <a:t>01/08/2022</a:t>
             </a:fld>
             <a:endParaRPr lang="en-GB"/>
           </a:p>
@@ -1614,7 +1615,7 @@
           <a:p>
             <a:fld id="{8B92362E-F480-4286-BBDD-FA3089A75A34}" type="datetimeFigureOut">
               <a:rPr lang="en-GB" smtClean="0"/>
-              <a:t>31/07/2022</a:t>
+              <a:t>01/08/2022</a:t>
             </a:fld>
             <a:endParaRPr lang="en-GB"/>
           </a:p>
@@ -1732,7 +1733,7 @@
           <a:p>
             <a:fld id="{8B92362E-F480-4286-BBDD-FA3089A75A34}" type="datetimeFigureOut">
               <a:rPr lang="en-GB" smtClean="0"/>
-              <a:t>31/07/2022</a:t>
+              <a:t>01/08/2022</a:t>
             </a:fld>
             <a:endParaRPr lang="en-GB"/>
           </a:p>
@@ -1827,7 +1828,7 @@
           <a:p>
             <a:fld id="{8B92362E-F480-4286-BBDD-FA3089A75A34}" type="datetimeFigureOut">
               <a:rPr lang="en-GB" smtClean="0"/>
-              <a:t>31/07/2022</a:t>
+              <a:t>01/08/2022</a:t>
             </a:fld>
             <a:endParaRPr lang="en-GB"/>
           </a:p>
@@ -2104,7 +2105,7 @@
           <a:p>
             <a:fld id="{8B92362E-F480-4286-BBDD-FA3089A75A34}" type="datetimeFigureOut">
               <a:rPr lang="en-GB" smtClean="0"/>
-              <a:t>31/07/2022</a:t>
+              <a:t>01/08/2022</a:t>
             </a:fld>
             <a:endParaRPr lang="en-GB"/>
           </a:p>
@@ -2357,7 +2358,7 @@
           <a:p>
             <a:fld id="{8B92362E-F480-4286-BBDD-FA3089A75A34}" type="datetimeFigureOut">
               <a:rPr lang="en-GB" smtClean="0"/>
-              <a:t>31/07/2022</a:t>
+              <a:t>01/08/2022</a:t>
             </a:fld>
             <a:endParaRPr lang="en-GB"/>
           </a:p>
@@ -2570,7 +2571,7 @@
           <a:p>
             <a:fld id="{8B92362E-F480-4286-BBDD-FA3089A75A34}" type="datetimeFigureOut">
               <a:rPr lang="en-GB" smtClean="0"/>
-              <a:t>31/07/2022</a:t>
+              <a:t>01/08/2022</a:t>
             </a:fld>
             <a:endParaRPr lang="en-GB"/>
           </a:p>
@@ -2997,59 +2998,12 @@
           <a:p>
             <a:r>
               <a:rPr lang="en-US" dirty="0"/>
-              <a:t>Functions in R</a:t>
+              <a:t>Unit testing in R</a:t>
             </a:r>
             <a:endParaRPr lang="en-GB" dirty="0"/>
           </a:p>
         </p:txBody>
       </p:sp>
-      <p:pic>
-        <p:nvPicPr>
-          <p:cNvPr id="4098" name="Picture 2" descr="Function (mathematics) - Wikipedia">
-            <a:extLst>
-              <a:ext uri="{FF2B5EF4-FFF2-40B4-BE49-F238E27FC236}">
-                <a16:creationId xmlns:a16="http://schemas.microsoft.com/office/drawing/2014/main" id="{66CAFAE2-438F-DC5A-7030-23EEB2F4A991}"/>
-              </a:ext>
-            </a:extLst>
-          </p:cNvPr>
-          <p:cNvPicPr>
-            <a:picLocks noChangeAspect="1" noChangeArrowheads="1"/>
-          </p:cNvPicPr>
-          <p:nvPr/>
-        </p:nvPicPr>
-        <p:blipFill>
-          <a:blip r:embed="rId2">
-            <a:extLst>
-              <a:ext uri="{28A0092B-C50C-407E-A947-70E740481C1C}">
-                <a14:useLocalDpi xmlns:a14="http://schemas.microsoft.com/office/drawing/2010/main" val="0"/>
-              </a:ext>
-            </a:extLst>
-          </a:blip>
-          <a:srcRect/>
-          <a:stretch>
-            <a:fillRect/>
-          </a:stretch>
-        </p:blipFill>
-        <p:spPr bwMode="auto">
-          <a:xfrm>
-            <a:off x="4181115" y="2621831"/>
-            <a:ext cx="3829769" cy="3829769"/>
-          </a:xfrm>
-          <a:prstGeom prst="rect">
-            <a:avLst/>
-          </a:prstGeom>
-          <a:noFill/>
-          <a:extLst>
-            <a:ext uri="{909E8E84-426E-40DD-AFC4-6F175D3DCCD1}">
-              <a14:hiddenFill xmlns:a14="http://schemas.microsoft.com/office/drawing/2010/main">
-                <a:solidFill>
-                  <a:srgbClr val="FFFFFF"/>
-                </a:solidFill>
-              </a14:hiddenFill>
-            </a:ext>
-          </a:extLst>
-        </p:spPr>
-      </p:pic>
     </p:spTree>
     <p:extLst>
       <p:ext uri="{BB962C8B-B14F-4D97-AF65-F5344CB8AC3E}">
@@ -3082,144 +3036,107 @@
       </p:grpSpPr>
       <p:sp>
         <p:nvSpPr>
-          <p:cNvPr id="2" name="Title 1"/>
-          <p:cNvSpPr>
-            <a:spLocks noGrp="1"/>
-          </p:cNvSpPr>
-          <p:nvPr>
-            <p:ph type="title"/>
-          </p:nvPr>
-        </p:nvSpPr>
-        <p:spPr/>
-        <p:txBody>
-          <a:bodyPr/>
-          <a:lstStyle/>
-          <a:p>
-            <a:r>
-              <a:rPr lang="en-GB" dirty="0"/>
-              <a:t>Why write a function?</a:t>
-            </a:r>
-          </a:p>
-        </p:txBody>
-      </p:sp>
-      <p:sp>
-        <p:nvSpPr>
-          <p:cNvPr id="3" name="Content Placeholder 2"/>
-          <p:cNvSpPr>
-            <a:spLocks noGrp="1"/>
-          </p:cNvSpPr>
-          <p:nvPr>
-            <p:ph idx="1"/>
-          </p:nvPr>
-        </p:nvSpPr>
-        <p:spPr/>
-        <p:txBody>
-          <a:bodyPr/>
-          <a:lstStyle/>
-          <a:p>
-            <a:r>
-              <a:rPr lang="en-GB" b="0" i="0" dirty="0">
-                <a:solidFill>
-                  <a:srgbClr val="212529"/>
-                </a:solidFill>
-                <a:effectLst/>
-                <a:latin typeface="-apple-system"/>
-              </a:rPr>
-              <a:t>whenever you’ve copied and pasted a block of code more than twice</a:t>
-            </a:r>
-          </a:p>
-          <a:p>
-            <a:r>
-              <a:rPr lang="en-GB" dirty="0">
-                <a:solidFill>
-                  <a:srgbClr val="212529"/>
-                </a:solidFill>
-                <a:latin typeface="-apple-system"/>
-              </a:rPr>
-              <a:t>Requirements might change</a:t>
-            </a:r>
-            <a:endParaRPr lang="en-GB" b="0" i="0" dirty="0">
-              <a:solidFill>
-                <a:srgbClr val="212529"/>
-              </a:solidFill>
-              <a:effectLst/>
-              <a:latin typeface="-apple-system"/>
-            </a:endParaRPr>
-          </a:p>
-          <a:p>
-            <a:r>
-              <a:rPr lang="en-GB" dirty="0">
-                <a:solidFill>
-                  <a:srgbClr val="212529"/>
-                </a:solidFill>
-                <a:latin typeface="-apple-system"/>
-              </a:rPr>
-              <a:t>DRY principle</a:t>
-            </a:r>
-            <a:endParaRPr lang="en-GB" b="0" i="0" dirty="0">
-              <a:solidFill>
-                <a:srgbClr val="212529"/>
-              </a:solidFill>
-              <a:effectLst/>
-              <a:latin typeface="-apple-system"/>
-            </a:endParaRPr>
-          </a:p>
-          <a:p>
-            <a:endParaRPr lang="en-GB" dirty="0"/>
-          </a:p>
-        </p:txBody>
-      </p:sp>
-      <p:pic>
-        <p:nvPicPr>
-          <p:cNvPr id="2050" name="Picture 2" descr="TIME for Kids | Desert Life">
+          <p:cNvPr id="2" name="Title 1">
             <a:extLst>
               <a:ext uri="{FF2B5EF4-FFF2-40B4-BE49-F238E27FC236}">
-                <a16:creationId xmlns:a16="http://schemas.microsoft.com/office/drawing/2014/main" id="{AF021715-8C91-1571-305A-20B463F6669F}"/>
+                <a16:creationId xmlns:a16="http://schemas.microsoft.com/office/drawing/2014/main" id="{688550E3-C88D-6D8E-B968-AD5E618E4C19}"/>
               </a:ext>
             </a:extLst>
           </p:cNvPr>
-          <p:cNvPicPr>
-            <a:picLocks noChangeAspect="1" noChangeArrowheads="1"/>
-          </p:cNvPicPr>
-          <p:nvPr/>
-        </p:nvPicPr>
-        <p:blipFill>
-          <a:blip r:embed="rId2" cstate="print">
+          <p:cNvSpPr>
+            <a:spLocks noGrp="1"/>
+          </p:cNvSpPr>
+          <p:nvPr>
+            <p:ph type="title"/>
+          </p:nvPr>
+        </p:nvSpPr>
+        <p:spPr/>
+        <p:txBody>
+          <a:bodyPr/>
+          <a:lstStyle/>
+          <a:p>
+            <a:r>
+              <a:rPr lang="en-GB" dirty="0"/>
+              <a:t>Why unit test?</a:t>
+            </a:r>
+          </a:p>
+        </p:txBody>
+      </p:sp>
+      <p:sp>
+        <p:nvSpPr>
+          <p:cNvPr id="3" name="Content Placeholder 2">
             <a:extLst>
-              <a:ext uri="{28A0092B-C50C-407E-A947-70E740481C1C}">
-                <a14:useLocalDpi xmlns:a14="http://schemas.microsoft.com/office/drawing/2010/main" val="0"/>
+              <a:ext uri="{FF2B5EF4-FFF2-40B4-BE49-F238E27FC236}">
+                <a16:creationId xmlns:a16="http://schemas.microsoft.com/office/drawing/2014/main" id="{B23699F3-1509-9E96-F39A-D11C2BA6B3FB}"/>
               </a:ext>
             </a:extLst>
-          </a:blip>
-          <a:srcRect/>
-          <a:stretch>
-            <a:fillRect/>
-          </a:stretch>
-        </p:blipFill>
-        <p:spPr bwMode="auto">
-          <a:xfrm>
-            <a:off x="5890643" y="2653641"/>
-            <a:ext cx="5758851" cy="3839234"/>
-          </a:xfrm>
-          <a:prstGeom prst="rect">
-            <a:avLst/>
-          </a:prstGeom>
-          <a:noFill/>
-          <a:extLst>
-            <a:ext uri="{909E8E84-426E-40DD-AFC4-6F175D3DCCD1}">
-              <a14:hiddenFill xmlns:a14="http://schemas.microsoft.com/office/drawing/2010/main">
-                <a:solidFill>
-                  <a:srgbClr val="FFFFFF"/>
-                </a:solidFill>
-              </a14:hiddenFill>
-            </a:ext>
-          </a:extLst>
-        </p:spPr>
-      </p:pic>
+          </p:cNvPr>
+          <p:cNvSpPr>
+            <a:spLocks noGrp="1"/>
+          </p:cNvSpPr>
+          <p:nvPr>
+            <p:ph idx="1"/>
+          </p:nvPr>
+        </p:nvSpPr>
+        <p:spPr/>
+        <p:txBody>
+          <a:bodyPr/>
+          <a:lstStyle/>
+          <a:p>
+            <a:r>
+              <a:rPr lang="en-GB" dirty="0"/>
+              <a:t>If you write R functions, then you already test your code</a:t>
+            </a:r>
+          </a:p>
+          <a:p>
+            <a:r>
+              <a:rPr lang="en-GB" dirty="0"/>
+              <a:t>But can be tedious, time-consuming and error-prone to manual check</a:t>
+            </a:r>
+          </a:p>
+          <a:p>
+            <a:r>
+              <a:rPr lang="en-GB" dirty="0"/>
+              <a:t>We want to </a:t>
+            </a:r>
+            <a:r>
+              <a:rPr lang="en-GB" i="1" dirty="0"/>
+              <a:t>automate</a:t>
+            </a:r>
+          </a:p>
+          <a:p>
+            <a:r>
+              <a:rPr lang="en-GB" dirty="0"/>
+              <a:t>This will</a:t>
+            </a:r>
+          </a:p>
+          <a:p>
+            <a:pPr lvl="1"/>
+            <a:r>
+              <a:rPr lang="en-GB" dirty="0"/>
+              <a:t>speed-up development process</a:t>
+            </a:r>
+          </a:p>
+          <a:p>
+            <a:pPr lvl="1"/>
+            <a:r>
+              <a:rPr lang="en-GB" dirty="0"/>
+              <a:t>Increase quality of code</a:t>
+            </a:r>
+          </a:p>
+          <a:p>
+            <a:pPr lvl="1"/>
+            <a:r>
+              <a:rPr lang="en-GB" dirty="0"/>
+              <a:t>provide confidence in output</a:t>
+            </a:r>
+          </a:p>
+        </p:txBody>
+      </p:sp>
     </p:spTree>
     <p:extLst>
       <p:ext uri="{BB962C8B-B14F-4D97-AF65-F5344CB8AC3E}">
-        <p14:creationId xmlns:p14="http://schemas.microsoft.com/office/powerpoint/2010/main" val="2082649430"/>
+        <p14:creationId xmlns:p14="http://schemas.microsoft.com/office/powerpoint/2010/main" val="2913796360"/>
       </p:ext>
     </p:extLst>
   </p:cSld>
@@ -3248,7 +3165,13 @@
       </p:grpSpPr>
       <p:sp>
         <p:nvSpPr>
-          <p:cNvPr id="2" name="Title 1"/>
+          <p:cNvPr id="2" name="Title 1">
+            <a:extLst>
+              <a:ext uri="{FF2B5EF4-FFF2-40B4-BE49-F238E27FC236}">
+                <a16:creationId xmlns:a16="http://schemas.microsoft.com/office/drawing/2014/main" id="{6EA97A2E-A314-48F8-7BC2-03ECADC13404}"/>
+              </a:ext>
+            </a:extLst>
+          </p:cNvPr>
           <p:cNvSpPr>
             <a:spLocks noGrp="1"/>
           </p:cNvSpPr>
@@ -3263,75 +3186,92 @@
           <a:p>
             <a:r>
               <a:rPr lang="en-GB" dirty="0"/>
-              <a:t>Function Components</a:t>
-            </a:r>
-            <a:br>
+              <a:t>What is a unit test?</a:t>
+            </a:r>
+          </a:p>
+        </p:txBody>
+      </p:sp>
+      <p:sp>
+        <p:nvSpPr>
+          <p:cNvPr id="3" name="Content Placeholder 2">
+            <a:extLst>
+              <a:ext uri="{FF2B5EF4-FFF2-40B4-BE49-F238E27FC236}">
+                <a16:creationId xmlns:a16="http://schemas.microsoft.com/office/drawing/2014/main" id="{9A19793B-6918-90A2-18C2-0D6EE56CFED6}"/>
+              </a:ext>
+            </a:extLst>
+          </p:cNvPr>
+          <p:cNvSpPr>
+            <a:spLocks noGrp="1"/>
+          </p:cNvSpPr>
+          <p:nvPr>
+            <p:ph idx="1"/>
+          </p:nvPr>
+        </p:nvSpPr>
+        <p:spPr/>
+        <p:txBody>
+          <a:bodyPr/>
+          <a:lstStyle/>
+          <a:p>
+            <a:r>
               <a:rPr lang="en-GB" dirty="0"/>
-            </a:br>
-            <a:endParaRPr lang="en-GB" dirty="0"/>
-          </a:p>
-        </p:txBody>
-      </p:sp>
-      <p:sp>
-        <p:nvSpPr>
-          <p:cNvPr id="3" name="Content Placeholder 2"/>
-          <p:cNvSpPr>
-            <a:spLocks noGrp="1"/>
-          </p:cNvSpPr>
-          <p:nvPr>
-            <p:ph idx="1"/>
-          </p:nvPr>
-        </p:nvSpPr>
-        <p:spPr/>
-        <p:txBody>
-          <a:bodyPr>
-            <a:normAutofit fontScale="92500" lnSpcReduction="10000"/>
-          </a:bodyPr>
-          <a:lstStyle/>
-          <a:p>
+              <a:t>A unit test is a way of testing a unit - the smallest piece of code that can be logically isolated in a system.</a:t>
+            </a:r>
+          </a:p>
+          <a:p>
+            <a:pPr lvl="1"/>
             <a:r>
               <a:rPr lang="en-GB" dirty="0"/>
-              <a:t>The different parts of a function are</a:t>
-            </a:r>
-          </a:p>
-          <a:p>
-            <a:r>
-              <a:rPr lang="en-GB" b="1" dirty="0"/>
-              <a:t>Function Name </a:t>
-            </a:r>
+              <a:t>In R that’s a functions</a:t>
+            </a:r>
+          </a:p>
+          <a:p>
             <a:r>
               <a:rPr lang="en-GB" dirty="0"/>
-              <a:t>− This is the actual name of the function. It is stored in R environment as an object with this name.</a:t>
-            </a:r>
-          </a:p>
-          <a:p>
-            <a:r>
-              <a:rPr lang="en-GB" b="1" dirty="0"/>
-              <a:t>Arguments</a:t>
-            </a:r>
+              <a:t>Unit tests are expectations of how the code should behave</a:t>
+            </a:r>
+          </a:p>
+          <a:p>
+            <a:r>
+              <a:rPr lang="en-GB" b="0" i="0" dirty="0">
+                <a:solidFill>
+                  <a:srgbClr val="212529"/>
+                </a:solidFill>
+                <a:effectLst/>
+                <a:latin typeface="Open Sans" panose="020B0606030504020204" pitchFamily="34" charset="0"/>
+              </a:rPr>
+              <a:t>smaller is better</a:t>
+            </a:r>
+          </a:p>
+          <a:p>
+            <a:pPr lvl="1"/>
+            <a:r>
+              <a:rPr lang="en-GB" dirty="0">
+                <a:solidFill>
+                  <a:srgbClr val="212529"/>
+                </a:solidFill>
+                <a:latin typeface="Open Sans" panose="020B0606030504020204" pitchFamily="34" charset="0"/>
+              </a:rPr>
+              <a:t>Easier to isolate an error</a:t>
+            </a:r>
+            <a:endParaRPr lang="en-GB" b="0" i="0" dirty="0">
+              <a:solidFill>
+                <a:srgbClr val="212529"/>
+              </a:solidFill>
+              <a:effectLst/>
+              <a:latin typeface="Open Sans" panose="020B0606030504020204" pitchFamily="34" charset="0"/>
+            </a:endParaRPr>
+          </a:p>
+          <a:p>
+            <a:pPr lvl="1"/>
             <a:r>
               <a:rPr lang="en-GB" dirty="0"/>
-              <a:t> − An argument is a placeholder. When a function is invoked, you pass a value to the argument. Arguments are optional; that is, a function may contain no arguments. Also arguments can have default values.</a:t>
-            </a:r>
-          </a:p>
-          <a:p>
-            <a:r>
-              <a:rPr lang="en-GB" b="1" dirty="0"/>
-              <a:t>Function Body </a:t>
-            </a:r>
+              <a:t>when you test very small units, your tests can be run fast</a:t>
+            </a:r>
+          </a:p>
+          <a:p>
             <a:r>
               <a:rPr lang="en-GB" dirty="0"/>
-              <a:t>− The function body contains a collection of statements that defines what the function does.</a:t>
-            </a:r>
-          </a:p>
-          <a:p>
-            <a:r>
-              <a:rPr lang="en-GB" b="1" dirty="0"/>
-              <a:t>Return Value </a:t>
-            </a:r>
-            <a:r>
-              <a:rPr lang="en-GB" dirty="0"/>
-              <a:t>− The return value of a function is the last expression in the function body to be evaluated.</a:t>
+              <a:t>Writing tests is a form of living documenting your code</a:t>
             </a:r>
           </a:p>
         </p:txBody>
@@ -3339,7 +3279,7 @@
     </p:spTree>
     <p:extLst>
       <p:ext uri="{BB962C8B-B14F-4D97-AF65-F5344CB8AC3E}">
-        <p14:creationId xmlns:p14="http://schemas.microsoft.com/office/powerpoint/2010/main" val="1814194366"/>
+        <p14:creationId xmlns:p14="http://schemas.microsoft.com/office/powerpoint/2010/main" val="1269901389"/>
       </p:ext>
     </p:extLst>
   </p:cSld>
@@ -3368,7 +3308,13 @@
       </p:grpSpPr>
       <p:sp>
         <p:nvSpPr>
-          <p:cNvPr id="2" name="Title 1"/>
+          <p:cNvPr id="2" name="Title 1">
+            <a:extLst>
+              <a:ext uri="{FF2B5EF4-FFF2-40B4-BE49-F238E27FC236}">
+                <a16:creationId xmlns:a16="http://schemas.microsoft.com/office/drawing/2014/main" id="{5037B645-606E-BA20-453F-758161FC61F9}"/>
+              </a:ext>
+            </a:extLst>
+          </p:cNvPr>
           <p:cNvSpPr>
             <a:spLocks noGrp="1"/>
           </p:cNvSpPr>
@@ -3382,64 +3328,145 @@
           <a:lstStyle/>
           <a:p>
             <a:r>
-              <a:rPr lang="en-GB" dirty="0">
+              <a:rPr lang="en-GB" dirty="0" err="1"/>
+              <a:t>testthat</a:t>
+            </a:r>
+            <a:r>
+              <a:rPr lang="en-GB" dirty="0"/>
+              <a:t> package</a:t>
+            </a:r>
+          </a:p>
+        </p:txBody>
+      </p:sp>
+      <p:sp>
+        <p:nvSpPr>
+          <p:cNvPr id="3" name="Content Placeholder 2">
+            <a:extLst>
+              <a:ext uri="{FF2B5EF4-FFF2-40B4-BE49-F238E27FC236}">
+                <a16:creationId xmlns:a16="http://schemas.microsoft.com/office/drawing/2014/main" id="{68827959-7A97-EBF4-9069-D26440505449}"/>
+              </a:ext>
+            </a:extLst>
+          </p:cNvPr>
+          <p:cNvSpPr>
+            <a:spLocks noGrp="1"/>
+          </p:cNvSpPr>
+          <p:nvPr>
+            <p:ph idx="1"/>
+          </p:nvPr>
+        </p:nvSpPr>
+        <p:spPr>
+          <a:xfrm>
+            <a:off x="838200" y="1825625"/>
+            <a:ext cx="9047672" cy="4351338"/>
+          </a:xfrm>
+        </p:spPr>
+        <p:txBody>
+          <a:bodyPr/>
+          <a:lstStyle/>
+          <a:p>
+            <a:pPr algn="l">
+              <a:buFont typeface="Arial" panose="020B0604020202020204" pitchFamily="34" charset="0"/>
+              <a:buChar char="•"/>
+            </a:pPr>
+            <a:r>
+              <a:rPr lang="en-GB" b="0" i="0" dirty="0">
                 <a:solidFill>
-                  <a:srgbClr val="000000"/>
+                  <a:srgbClr val="2E3A45"/>
                 </a:solidFill>
-                <a:latin typeface="Segoe UI" panose="020B0502040204020203" pitchFamily="34" charset="0"/>
+                <a:effectLst/>
+                <a:latin typeface="Source Sans Pro" panose="020B0503030403020204" pitchFamily="34" charset="0"/>
               </a:rPr>
-              <a:t>Default Parameter Value</a:t>
-            </a:r>
-            <a:br>
-              <a:rPr lang="en-GB" dirty="0">
+              <a:t>Provides functions that make it easy to describe what you expect a function to do, including catching errors, warnings, and messages.</a:t>
+            </a:r>
+          </a:p>
+          <a:p>
+            <a:pPr algn="l">
+              <a:buFont typeface="Arial" panose="020B0604020202020204" pitchFamily="34" charset="0"/>
+              <a:buChar char="•"/>
+            </a:pPr>
+            <a:r>
+              <a:rPr lang="en-GB" b="0" i="0" dirty="0">
                 <a:solidFill>
-                  <a:srgbClr val="000000"/>
+                  <a:srgbClr val="2E3A45"/>
                 </a:solidFill>
-                <a:latin typeface="Segoe UI" panose="020B0502040204020203" pitchFamily="34" charset="0"/>
+                <a:effectLst/>
+                <a:latin typeface="Source Sans Pro" panose="020B0503030403020204" pitchFamily="34" charset="0"/>
               </a:rPr>
-            </a:br>
+              <a:t>Easily integrates in your existing workflow, whether it’s informal testing on the command line, building test suites, or using R CMD check.</a:t>
+            </a:r>
+          </a:p>
+          <a:p>
+            <a:pPr algn="l">
+              <a:buFont typeface="Arial" panose="020B0604020202020204" pitchFamily="34" charset="0"/>
+              <a:buChar char="•"/>
+            </a:pPr>
+            <a:r>
+              <a:rPr lang="en-GB" b="0" i="0" dirty="0">
+                <a:solidFill>
+                  <a:srgbClr val="2E3A45"/>
+                </a:solidFill>
+                <a:effectLst/>
+                <a:latin typeface="Source Sans Pro" panose="020B0503030403020204" pitchFamily="34" charset="0"/>
+              </a:rPr>
+              <a:t>Displays test progress visually, showing a pass, fail, or error for every expectation. If you’re using the terminal or a recent version of RStudio, it’ll even colour the output.</a:t>
+            </a:r>
+          </a:p>
+          <a:p>
             <a:endParaRPr lang="en-GB" dirty="0"/>
           </a:p>
         </p:txBody>
       </p:sp>
-      <p:sp>
-        <p:nvSpPr>
-          <p:cNvPr id="3" name="Content Placeholder 2"/>
-          <p:cNvSpPr>
-            <a:spLocks noGrp="1"/>
-          </p:cNvSpPr>
-          <p:nvPr>
-            <p:ph idx="1"/>
-          </p:nvPr>
-        </p:nvSpPr>
-        <p:spPr/>
-        <p:txBody>
-          <a:bodyPr/>
-          <a:lstStyle/>
-          <a:p>
-            <a:r>
-              <a:rPr lang="en-GB" dirty="0"/>
-              <a:t>If we call the function without an argument, it uses the default value</a:t>
-            </a:r>
-          </a:p>
-          <a:p>
-            <a:r>
-              <a:rPr lang="en-GB" dirty="0"/>
-              <a:t>NA, NULL, missing?</a:t>
-            </a:r>
-          </a:p>
-          <a:p>
-            <a:r>
-              <a:rPr lang="en-GB" dirty="0"/>
-              <a:t>Can have a vector of possible argument values</a:t>
-            </a:r>
-          </a:p>
-        </p:txBody>
-      </p:sp>
+      <p:pic>
+        <p:nvPicPr>
+          <p:cNvPr id="1026" name="Picture 2">
+            <a:extLst>
+              <a:ext uri="{FF2B5EF4-FFF2-40B4-BE49-F238E27FC236}">
+                <a16:creationId xmlns:a16="http://schemas.microsoft.com/office/drawing/2014/main" id="{18200C07-378E-BBCF-31DE-F54C1529C10D}"/>
+              </a:ext>
+            </a:extLst>
+          </p:cNvPr>
+          <p:cNvPicPr>
+            <a:picLocks noChangeAspect="1" noChangeArrowheads="1"/>
+          </p:cNvPicPr>
+          <p:nvPr/>
+        </p:nvPicPr>
+        <p:blipFill>
+          <a:blip r:embed="rId2">
+            <a:extLst>
+              <a:ext uri="{28A0092B-C50C-407E-A947-70E740481C1C}">
+                <a14:useLocalDpi xmlns:a14="http://schemas.microsoft.com/office/drawing/2010/main" val="0"/>
+              </a:ext>
+            </a:extLst>
+          </a:blip>
+          <a:srcRect/>
+          <a:stretch>
+            <a:fillRect/>
+          </a:stretch>
+        </p:blipFill>
+        <p:spPr bwMode="auto">
+          <a:xfrm>
+            <a:off x="9701122" y="0"/>
+            <a:ext cx="2118504" cy="2453934"/>
+          </a:xfrm>
+          <a:prstGeom prst="rect">
+            <a:avLst/>
+          </a:prstGeom>
+          <a:noFill/>
+          <a:extLst>
+            <a:ext uri="{909E8E84-426E-40DD-AFC4-6F175D3DCCD1}">
+              <a14:hiddenFill xmlns:a14="http://schemas.microsoft.com/office/drawing/2010/main">
+                <a:solidFill>
+                  <a:srgbClr val="FFFFFF"/>
+                </a:solidFill>
+              </a14:hiddenFill>
+            </a:ext>
+          </a:extLst>
+        </p:spPr>
+      </p:pic>
     </p:spTree>
     <p:extLst>
       <p:ext uri="{BB962C8B-B14F-4D97-AF65-F5344CB8AC3E}">
-        <p14:creationId xmlns:p14="http://schemas.microsoft.com/office/powerpoint/2010/main" val="2879605931"/>
+        <p14:creationId xmlns:p14="http://schemas.microsoft.com/office/powerpoint/2010/main" val="463861629"/>
       </p:ext>
     </p:extLst>
   </p:cSld>
@@ -3466,125 +3493,57 @@
           <a:chExt cx="0" cy="0"/>
         </a:xfrm>
       </p:grpSpPr>
-      <p:sp>
-        <p:nvSpPr>
-          <p:cNvPr id="2" name="Title 1"/>
-          <p:cNvSpPr>
-            <a:spLocks noGrp="1"/>
-          </p:cNvSpPr>
-          <p:nvPr>
-            <p:ph type="title"/>
-          </p:nvPr>
-        </p:nvSpPr>
-        <p:spPr/>
-        <p:txBody>
-          <a:bodyPr/>
-          <a:lstStyle/>
-          <a:p>
-            <a:r>
-              <a:rPr lang="en-US" dirty="0"/>
-              <a:t>General Guidance on How to Write Functions</a:t>
-            </a:r>
-            <a:endParaRPr lang="en-GB" dirty="0"/>
-          </a:p>
-        </p:txBody>
-      </p:sp>
-      <p:sp>
-        <p:nvSpPr>
-          <p:cNvPr id="3" name="Content Placeholder 2"/>
-          <p:cNvSpPr>
-            <a:spLocks noGrp="1"/>
-          </p:cNvSpPr>
-          <p:nvPr>
-            <p:ph idx="1"/>
-          </p:nvPr>
-        </p:nvSpPr>
-        <p:spPr/>
-        <p:txBody>
-          <a:bodyPr>
-            <a:normAutofit fontScale="92500" lnSpcReduction="20000"/>
-          </a:bodyPr>
-          <a:lstStyle/>
-          <a:p>
-            <a:r>
-              <a:rPr lang="en-US" b="1" dirty="0"/>
-              <a:t>Keep them small</a:t>
-            </a:r>
-          </a:p>
-          <a:p>
-            <a:pPr lvl="1"/>
-            <a:r>
-              <a:rPr lang="en-US" dirty="0"/>
-              <a:t>Functions should do one thing. They should do it well. They should do it only. – Clean Code</a:t>
-            </a:r>
-          </a:p>
-          <a:p>
-            <a:r>
-              <a:rPr lang="en-GB" b="1" dirty="0"/>
-              <a:t>Fewer Arguments</a:t>
-            </a:r>
-          </a:p>
-          <a:p>
-            <a:r>
-              <a:rPr lang="en-US" b="1" dirty="0"/>
-              <a:t>Do not use Flag Arguments</a:t>
-            </a:r>
-          </a:p>
-          <a:p>
-            <a:pPr lvl="1"/>
-            <a:r>
-              <a:rPr lang="en-US" dirty="0"/>
-              <a:t>Flag arguments naturally contradict the principle of single responsibility. When you see them, you should consider dividing the function into two</a:t>
-            </a:r>
-          </a:p>
-          <a:p>
-            <a:pPr fontAlgn="base"/>
-            <a:r>
-              <a:rPr lang="en-US" b="1" dirty="0"/>
-              <a:t>Do Not Have Side Effects</a:t>
-            </a:r>
-          </a:p>
-          <a:p>
-            <a:pPr lvl="1" fontAlgn="base"/>
-            <a:r>
-              <a:rPr lang="en-US" dirty="0"/>
-              <a:t>Side effects are unintended consequences of your code</a:t>
-            </a:r>
-          </a:p>
-          <a:p>
-            <a:pPr fontAlgn="base"/>
-            <a:r>
-              <a:rPr lang="en-GB" b="1" dirty="0"/>
-              <a:t>Don't Repeat Yourself (DRY)</a:t>
-            </a:r>
-          </a:p>
-          <a:p>
-            <a:pPr fontAlgn="base"/>
-            <a:r>
-              <a:rPr lang="en-US" b="1" dirty="0"/>
-              <a:t>Do not leave code in comments</a:t>
-            </a:r>
-          </a:p>
-          <a:p>
-            <a:pPr fontAlgn="base"/>
-            <a:r>
-              <a:rPr lang="en-US" b="1" dirty="0"/>
-              <a:t>Functions are for humans and computers*</a:t>
-            </a:r>
-          </a:p>
-          <a:p>
-            <a:pPr fontAlgn="base"/>
-            <a:endParaRPr lang="en-US" dirty="0"/>
-          </a:p>
-          <a:p>
-            <a:endParaRPr lang="en-GB" dirty="0"/>
-          </a:p>
-        </p:txBody>
-      </p:sp>
+      <p:pic>
+        <p:nvPicPr>
+          <p:cNvPr id="2050" name="Picture 2" descr="Why Test-Driven Development (TDD) | Marsner Technologies">
+            <a:extLst>
+              <a:ext uri="{FF2B5EF4-FFF2-40B4-BE49-F238E27FC236}">
+                <a16:creationId xmlns:a16="http://schemas.microsoft.com/office/drawing/2014/main" id="{39135606-20A3-B46F-9D6A-F0E3EA106F54}"/>
+              </a:ext>
+            </a:extLst>
+          </p:cNvPr>
+          <p:cNvPicPr>
+            <a:picLocks noChangeAspect="1" noChangeArrowheads="1"/>
+          </p:cNvPicPr>
+          <p:nvPr/>
+        </p:nvPicPr>
+        <p:blipFill>
+          <a:blip r:embed="rId2">
+            <a:extLst>
+              <a:ext uri="{28A0092B-C50C-407E-A947-70E740481C1C}">
+                <a14:useLocalDpi xmlns:a14="http://schemas.microsoft.com/office/drawing/2010/main" val="0"/>
+              </a:ext>
+            </a:extLst>
+          </a:blip>
+          <a:srcRect/>
+          <a:stretch>
+            <a:fillRect/>
+          </a:stretch>
+        </p:blipFill>
+        <p:spPr bwMode="auto">
+          <a:xfrm>
+            <a:off x="1219200" y="190500"/>
+            <a:ext cx="9753600" cy="6477000"/>
+          </a:xfrm>
+          <a:prstGeom prst="rect">
+            <a:avLst/>
+          </a:prstGeom>
+          <a:noFill/>
+          <a:extLst>
+            <a:ext uri="{909E8E84-426E-40DD-AFC4-6F175D3DCCD1}">
+              <a14:hiddenFill xmlns:a14="http://schemas.microsoft.com/office/drawing/2010/main">
+                <a:solidFill>
+                  <a:srgbClr val="FFFFFF"/>
+                </a:solidFill>
+              </a14:hiddenFill>
+            </a:ext>
+          </a:extLst>
+        </p:spPr>
+      </p:pic>
     </p:spTree>
     <p:extLst>
       <p:ext uri="{BB962C8B-B14F-4D97-AF65-F5344CB8AC3E}">
-        <p14:creationId xmlns:p14="http://schemas.microsoft.com/office/powerpoint/2010/main" val="464913184"/>
+        <p14:creationId xmlns:p14="http://schemas.microsoft.com/office/powerpoint/2010/main" val="2559045879"/>
       </p:ext>
     </p:extLst>
   </p:cSld>
@@ -3613,7 +3572,13 @@
       </p:grpSpPr>
       <p:sp>
         <p:nvSpPr>
-          <p:cNvPr id="2" name="Title 1"/>
+          <p:cNvPr id="2" name="Title 1">
+            <a:extLst>
+              <a:ext uri="{FF2B5EF4-FFF2-40B4-BE49-F238E27FC236}">
+                <a16:creationId xmlns:a16="http://schemas.microsoft.com/office/drawing/2014/main" id="{0C706423-72B9-55BA-C02A-51D771CCE0E0}"/>
+              </a:ext>
+            </a:extLst>
+          </p:cNvPr>
           <p:cNvSpPr>
             <a:spLocks noGrp="1"/>
           </p:cNvSpPr>
@@ -3632,7 +3597,13 @@
       </p:sp>
       <p:sp>
         <p:nvSpPr>
-          <p:cNvPr id="3" name="Content Placeholder 2"/>
+          <p:cNvPr id="3" name="Content Placeholder 2">
+            <a:extLst>
+              <a:ext uri="{FF2B5EF4-FFF2-40B4-BE49-F238E27FC236}">
+                <a16:creationId xmlns:a16="http://schemas.microsoft.com/office/drawing/2014/main" id="{070D7874-FCF5-A2E3-BB15-DB7094996520}"/>
+              </a:ext>
+            </a:extLst>
+          </p:cNvPr>
           <p:cNvSpPr>
             <a:spLocks noGrp="1"/>
           </p:cNvSpPr>
@@ -3642,75 +3613,17 @@
         </p:nvSpPr>
         <p:spPr/>
         <p:txBody>
-          <a:bodyPr>
-            <a:normAutofit/>
-          </a:bodyPr>
-          <a:lstStyle/>
-          <a:p>
-            <a:r>
-              <a:rPr lang="en-GB" dirty="0"/>
-              <a:t>Define a function using name &lt;- function(...</a:t>
-            </a:r>
-            <a:r>
-              <a:rPr lang="en-GB" dirty="0" err="1"/>
-              <a:t>args</a:t>
-            </a:r>
-            <a:r>
-              <a:rPr lang="en-GB" dirty="0"/>
-              <a:t>...) {...body...}.</a:t>
-            </a:r>
-          </a:p>
-          <a:p>
-            <a:r>
-              <a:rPr lang="en-GB" dirty="0"/>
-              <a:t>Call a function using name(...values...).</a:t>
-            </a:r>
-          </a:p>
-          <a:p>
-            <a:r>
-              <a:rPr lang="en-GB" dirty="0"/>
-              <a:t>R looks for variables in the current stack frame before looking for them at the top level.</a:t>
-            </a:r>
-          </a:p>
-          <a:p>
-            <a:r>
-              <a:rPr lang="en-GB" dirty="0"/>
-              <a:t>Use help(thing) to view help for something.</a:t>
-            </a:r>
-          </a:p>
-          <a:p>
-            <a:r>
-              <a:rPr lang="en-GB" dirty="0"/>
-              <a:t>Arguments can be passed by matching based on</a:t>
-            </a:r>
-          </a:p>
-          <a:p>
-            <a:pPr lvl="1"/>
-            <a:r>
-              <a:rPr lang="en-GB" dirty="0"/>
-              <a:t>Name</a:t>
-            </a:r>
-          </a:p>
-          <a:p>
-            <a:pPr lvl="1"/>
-            <a:r>
-              <a:rPr lang="en-GB" dirty="0"/>
-              <a:t>Position</a:t>
-            </a:r>
-          </a:p>
-          <a:p>
-            <a:pPr lvl="1"/>
-            <a:r>
-              <a:rPr lang="en-GB" dirty="0"/>
-              <a:t>omitting them (in which case the default value is used).</a:t>
-            </a:r>
+          <a:bodyPr/>
+          <a:lstStyle/>
+          <a:p>
+            <a:endParaRPr lang="en-GB"/>
           </a:p>
         </p:txBody>
       </p:sp>
     </p:spTree>
     <p:extLst>
       <p:ext uri="{BB962C8B-B14F-4D97-AF65-F5344CB8AC3E}">
-        <p14:creationId xmlns:p14="http://schemas.microsoft.com/office/powerpoint/2010/main" val="1419332278"/>
+        <p14:creationId xmlns:p14="http://schemas.microsoft.com/office/powerpoint/2010/main" val="3841738962"/>
       </p:ext>
     </p:extLst>
   </p:cSld>
@@ -3739,122 +3652,138 @@
       </p:grpSpPr>
       <p:sp>
         <p:nvSpPr>
-          <p:cNvPr id="2" name="Title 1"/>
-          <p:cNvSpPr>
-            <a:spLocks noGrp="1"/>
-          </p:cNvSpPr>
-          <p:nvPr>
-            <p:ph type="title"/>
-          </p:nvPr>
-        </p:nvSpPr>
-        <p:spPr/>
-        <p:txBody>
-          <a:bodyPr/>
-          <a:lstStyle/>
-          <a:p>
-            <a:r>
-              <a:rPr lang="en-GB" dirty="0"/>
-              <a:t>Dot-dot-dot</a:t>
-            </a:r>
-          </a:p>
-        </p:txBody>
-      </p:sp>
-      <p:sp>
-        <p:nvSpPr>
-          <p:cNvPr id="3" name="Content Placeholder 2"/>
-          <p:cNvSpPr>
-            <a:spLocks noGrp="1"/>
-          </p:cNvSpPr>
-          <p:nvPr>
-            <p:ph idx="1"/>
-          </p:nvPr>
-        </p:nvSpPr>
-        <p:spPr>
-          <a:xfrm>
-            <a:off x="838200" y="1825625"/>
-            <a:ext cx="6735792" cy="4351338"/>
-          </a:xfrm>
-        </p:spPr>
-        <p:txBody>
-          <a:bodyPr/>
-          <a:lstStyle/>
-          <a:p>
-            <a:r>
-              <a:rPr lang="en-GB" dirty="0"/>
-              <a:t>... </a:t>
-            </a:r>
-          </a:p>
-          <a:p>
-            <a:r>
-              <a:rPr lang="en-GB" dirty="0"/>
-              <a:t>special argument captures any number of arguments that aren’t otherwise matched.</a:t>
-            </a:r>
-          </a:p>
-          <a:p>
-            <a:r>
-              <a:rPr lang="en-GB" dirty="0"/>
-              <a:t>useful because you can then send those ... on to another function. </a:t>
-            </a:r>
-          </a:p>
-          <a:p>
-            <a:r>
-              <a:rPr lang="en-GB" dirty="0"/>
-              <a:t>useful catch-all if your function primarily wraps another function. </a:t>
-            </a:r>
-          </a:p>
-        </p:txBody>
-      </p:sp>
-      <p:pic>
-        <p:nvPicPr>
-          <p:cNvPr id="3078" name="Picture 6" descr="Response Icon">
+          <p:cNvPr id="2" name="Title 1">
             <a:extLst>
               <a:ext uri="{FF2B5EF4-FFF2-40B4-BE49-F238E27FC236}">
-                <a16:creationId xmlns:a16="http://schemas.microsoft.com/office/drawing/2014/main" id="{922C7343-5AEF-5035-C724-B75A8A5D850E}"/>
+                <a16:creationId xmlns:a16="http://schemas.microsoft.com/office/drawing/2014/main" id="{137428D2-CEF9-F7C0-AF93-928551F59D08}"/>
               </a:ext>
             </a:extLst>
           </p:cNvPr>
-          <p:cNvPicPr>
-            <a:picLocks noChangeAspect="1" noChangeArrowheads="1"/>
-          </p:cNvPicPr>
-          <p:nvPr/>
-        </p:nvPicPr>
-        <p:blipFill>
-          <a:blip r:embed="rId2">
+          <p:cNvSpPr>
+            <a:spLocks noGrp="1"/>
+          </p:cNvSpPr>
+          <p:nvPr>
+            <p:ph type="title"/>
+          </p:nvPr>
+        </p:nvSpPr>
+        <p:spPr/>
+        <p:txBody>
+          <a:bodyPr/>
+          <a:lstStyle/>
+          <a:p>
+            <a:endParaRPr lang="en-GB"/>
+          </a:p>
+        </p:txBody>
+      </p:sp>
+      <p:sp>
+        <p:nvSpPr>
+          <p:cNvPr id="3" name="Content Placeholder 2">
             <a:extLst>
-              <a:ext uri="{28A0092B-C50C-407E-A947-70E740481C1C}">
-                <a14:useLocalDpi xmlns:a14="http://schemas.microsoft.com/office/drawing/2010/main" val="0"/>
+              <a:ext uri="{FF2B5EF4-FFF2-40B4-BE49-F238E27FC236}">
+                <a16:creationId xmlns:a16="http://schemas.microsoft.com/office/drawing/2014/main" id="{752E6436-A8FA-662B-028C-2E46AB4C6F45}"/>
               </a:ext>
             </a:extLst>
-          </a:blip>
-          <a:srcRect/>
-          <a:stretch>
-            <a:fillRect/>
-          </a:stretch>
-        </p:blipFill>
-        <p:spPr bwMode="auto">
-          <a:xfrm>
-            <a:off x="8336981" y="804684"/>
-            <a:ext cx="3508524" cy="3508524"/>
-          </a:xfrm>
-          <a:prstGeom prst="rect">
-            <a:avLst/>
-          </a:prstGeom>
-          <a:noFill/>
-          <a:extLst>
-            <a:ext uri="{909E8E84-426E-40DD-AFC4-6F175D3DCCD1}">
-              <a14:hiddenFill xmlns:a14="http://schemas.microsoft.com/office/drawing/2010/main">
-                <a:solidFill>
-                  <a:srgbClr val="FFFFFF"/>
-                </a:solidFill>
-              </a14:hiddenFill>
-            </a:ext>
-          </a:extLst>
-        </p:spPr>
-      </p:pic>
+          </p:cNvPr>
+          <p:cNvSpPr>
+            <a:spLocks noGrp="1"/>
+          </p:cNvSpPr>
+          <p:nvPr>
+            <p:ph idx="1"/>
+          </p:nvPr>
+        </p:nvSpPr>
+        <p:spPr/>
+        <p:txBody>
+          <a:bodyPr/>
+          <a:lstStyle/>
+          <a:p>
+            <a:endParaRPr lang="en-GB"/>
+          </a:p>
+        </p:txBody>
+      </p:sp>
     </p:spTree>
     <p:extLst>
       <p:ext uri="{BB962C8B-B14F-4D97-AF65-F5344CB8AC3E}">
-        <p14:creationId xmlns:p14="http://schemas.microsoft.com/office/powerpoint/2010/main" val="2544336767"/>
+        <p14:creationId xmlns:p14="http://schemas.microsoft.com/office/powerpoint/2010/main" val="1519589942"/>
+      </p:ext>
+    </p:extLst>
+  </p:cSld>
+  <p:clrMapOvr>
+    <a:masterClrMapping/>
+  </p:clrMapOvr>
+</p:sld>
+</file>
+
+<file path=ppt/slides/slide8.xml><?xml version="1.0" encoding="utf-8"?>
+<p:sld xmlns:a="http://schemas.openxmlformats.org/drawingml/2006/main" xmlns:r="http://schemas.openxmlformats.org/officeDocument/2006/relationships" xmlns:p="http://schemas.openxmlformats.org/presentationml/2006/main">
+  <p:cSld>
+    <p:spTree>
+      <p:nvGrpSpPr>
+        <p:cNvPr id="1" name=""/>
+        <p:cNvGrpSpPr/>
+        <p:nvPr/>
+      </p:nvGrpSpPr>
+      <p:grpSpPr>
+        <a:xfrm>
+          <a:off x="0" y="0"/>
+          <a:ext cx="0" cy="0"/>
+          <a:chOff x="0" y="0"/>
+          <a:chExt cx="0" cy="0"/>
+        </a:xfrm>
+      </p:grpSpPr>
+      <p:sp>
+        <p:nvSpPr>
+          <p:cNvPr id="2" name="Title 1">
+            <a:extLst>
+              <a:ext uri="{FF2B5EF4-FFF2-40B4-BE49-F238E27FC236}">
+                <a16:creationId xmlns:a16="http://schemas.microsoft.com/office/drawing/2014/main" id="{C4AF63D9-C4B1-7F66-C4B0-372883CC5120}"/>
+              </a:ext>
+            </a:extLst>
+          </p:cNvPr>
+          <p:cNvSpPr>
+            <a:spLocks noGrp="1"/>
+          </p:cNvSpPr>
+          <p:nvPr>
+            <p:ph type="title"/>
+          </p:nvPr>
+        </p:nvSpPr>
+        <p:spPr/>
+        <p:txBody>
+          <a:bodyPr/>
+          <a:lstStyle/>
+          <a:p>
+            <a:endParaRPr lang="en-GB"/>
+          </a:p>
+        </p:txBody>
+      </p:sp>
+      <p:sp>
+        <p:nvSpPr>
+          <p:cNvPr id="3" name="Content Placeholder 2">
+            <a:extLst>
+              <a:ext uri="{FF2B5EF4-FFF2-40B4-BE49-F238E27FC236}">
+                <a16:creationId xmlns:a16="http://schemas.microsoft.com/office/drawing/2014/main" id="{ED81A5F0-3072-8F47-DF92-9ACA9823C1F0}"/>
+              </a:ext>
+            </a:extLst>
+          </p:cNvPr>
+          <p:cNvSpPr>
+            <a:spLocks noGrp="1"/>
+          </p:cNvSpPr>
+          <p:nvPr>
+            <p:ph idx="1"/>
+          </p:nvPr>
+        </p:nvSpPr>
+        <p:spPr/>
+        <p:txBody>
+          <a:bodyPr/>
+          <a:lstStyle/>
+          <a:p>
+            <a:endParaRPr lang="en-GB"/>
+          </a:p>
+        </p:txBody>
+      </p:sp>
+    </p:spTree>
+    <p:extLst>
+      <p:ext uri="{BB962C8B-B14F-4D97-AF65-F5344CB8AC3E}">
+        <p14:creationId xmlns:p14="http://schemas.microsoft.com/office/powerpoint/2010/main" val="3500766795"/>
       </p:ext>
     </p:extLst>
   </p:cSld>
